--- a/HW5/設計理念.pptx
+++ b/HW5/設計理念.pptx
@@ -532,7 +532,7 @@
           <a:p>
             <a:fld id="{45FDEEDD-49B7-4D29-AACF-B9F8BA67F033}" type="datetimeFigureOut">
               <a:rPr lang="zh-TW" altLang="en-US" smtClean="0"/>
-              <a:t>2017/3/28</a:t>
+              <a:t>2017/4/4</a:t>
             </a:fld>
             <a:endParaRPr lang="zh-TW" altLang="en-US"/>
           </a:p>
@@ -744,7 +744,7 @@
           <a:p>
             <a:fld id="{45FDEEDD-49B7-4D29-AACF-B9F8BA67F033}" type="datetimeFigureOut">
               <a:rPr lang="zh-TW" altLang="en-US" smtClean="0"/>
-              <a:t>2017/3/28</a:t>
+              <a:t>2017/4/4</a:t>
             </a:fld>
             <a:endParaRPr lang="zh-TW" altLang="en-US"/>
           </a:p>
@@ -931,7 +931,7 @@
           <a:p>
             <a:fld id="{45FDEEDD-49B7-4D29-AACF-B9F8BA67F033}" type="datetimeFigureOut">
               <a:rPr lang="zh-TW" altLang="en-US" smtClean="0"/>
-              <a:t>2017/3/28</a:t>
+              <a:t>2017/4/4</a:t>
             </a:fld>
             <a:endParaRPr lang="zh-TW" altLang="en-US"/>
           </a:p>
@@ -1028,7 +1028,7 @@
           <a:p>
             <a:fld id="{45FDEEDD-49B7-4D29-AACF-B9F8BA67F033}" type="datetimeFigureOut">
               <a:rPr lang="zh-TW" altLang="en-US" smtClean="0"/>
-              <a:t>2017/3/28</a:t>
+              <a:t>2017/4/4</a:t>
             </a:fld>
             <a:endParaRPr lang="zh-TW" altLang="en-US"/>
           </a:p>
@@ -1624,7 +1624,7 @@
           <a:p>
             <a:fld id="{45FDEEDD-49B7-4D29-AACF-B9F8BA67F033}" type="datetimeFigureOut">
               <a:rPr lang="zh-TW" altLang="en-US" smtClean="0"/>
-              <a:t>2017/3/28</a:t>
+              <a:t>2017/4/4</a:t>
             </a:fld>
             <a:endParaRPr lang="zh-TW" altLang="en-US"/>
           </a:p>
@@ -1721,7 +1721,7 @@
           <a:p>
             <a:fld id="{45FDEEDD-49B7-4D29-AACF-B9F8BA67F033}" type="datetimeFigureOut">
               <a:rPr lang="zh-TW" altLang="en-US" smtClean="0"/>
-              <a:t>2017/3/28</a:t>
+              <a:t>2017/4/4</a:t>
             </a:fld>
             <a:endParaRPr lang="zh-TW" altLang="en-US"/>
           </a:p>
@@ -2326,7 +2326,7 @@
           <a:p>
             <a:fld id="{45FDEEDD-49B7-4D29-AACF-B9F8BA67F033}" type="datetimeFigureOut">
               <a:rPr lang="zh-TW" altLang="en-US" smtClean="0"/>
-              <a:t>2017/3/28</a:t>
+              <a:t>2017/4/4</a:t>
             </a:fld>
             <a:endParaRPr lang="zh-TW" altLang="en-US"/>
           </a:p>
@@ -2469,7 +2469,7 @@
           <a:p>
             <a:fld id="{45FDEEDD-49B7-4D29-AACF-B9F8BA67F033}" type="datetimeFigureOut">
               <a:rPr lang="zh-TW" altLang="en-US" smtClean="0"/>
-              <a:t>2017/3/28</a:t>
+              <a:t>2017/4/4</a:t>
             </a:fld>
             <a:endParaRPr lang="zh-TW" altLang="en-US"/>
           </a:p>
@@ -2566,7 +2566,7 @@
           <a:p>
             <a:fld id="{45FDEEDD-49B7-4D29-AACF-B9F8BA67F033}" type="datetimeFigureOut">
               <a:rPr lang="zh-TW" altLang="en-US" smtClean="0"/>
-              <a:t>2017/3/28</a:t>
+              <a:t>2017/4/4</a:t>
             </a:fld>
             <a:endParaRPr lang="zh-TW" altLang="en-US"/>
           </a:p>
@@ -2850,7 +2850,7 @@
           <a:p>
             <a:fld id="{45FDEEDD-49B7-4D29-AACF-B9F8BA67F033}" type="datetimeFigureOut">
               <a:rPr lang="zh-TW" altLang="en-US" smtClean="0"/>
-              <a:t>2017/3/28</a:t>
+              <a:t>2017/4/4</a:t>
             </a:fld>
             <a:endParaRPr lang="zh-TW" altLang="en-US"/>
           </a:p>
@@ -3372,7 +3372,7 @@
           <a:p>
             <a:fld id="{45FDEEDD-49B7-4D29-AACF-B9F8BA67F033}" type="datetimeFigureOut">
               <a:rPr lang="zh-TW" altLang="en-US" smtClean="0"/>
-              <a:t>2017/3/28</a:t>
+              <a:t>2017/4/4</a:t>
             </a:fld>
             <a:endParaRPr lang="zh-TW" altLang="en-US"/>
           </a:p>
@@ -3892,7 +3892,7 @@
           <a:p>
             <a:fld id="{45FDEEDD-49B7-4D29-AACF-B9F8BA67F033}" type="datetimeFigureOut">
               <a:rPr lang="zh-TW" altLang="en-US" smtClean="0"/>
-              <a:t>2017/3/28</a:t>
+              <a:t>2017/4/4</a:t>
             </a:fld>
             <a:endParaRPr lang="zh-TW" altLang="en-US"/>
           </a:p>
@@ -4721,29 +4721,6 @@
               </a:rPr>
               <a:t>導覽列</a:t>
             </a:r>
-            <a:endParaRPr lang="zh-TW" altLang="en-US" sz="2800" b="1" dirty="0">
-              <a:ln w="12700">
-                <a:solidFill>
-                  <a:srgbClr val="212745">
-                    <a:satMod val="155000"/>
-                  </a:srgbClr>
-                </a:solidFill>
-                <a:prstDash val="solid"/>
-              </a:ln>
-              <a:solidFill>
-                <a:srgbClr val="B4DCFA">
-                  <a:tint val="85000"/>
-                  <a:satMod val="155000"/>
-                </a:srgbClr>
-              </a:solidFill>
-              <a:effectLst>
-                <a:outerShdw blurRad="41275" dist="20320" dir="1800000" algn="tl" rotWithShape="0">
-                  <a:srgbClr val="000000">
-                    <a:alpha val="40000"/>
-                  </a:srgbClr>
-                </a:outerShdw>
-              </a:effectLst>
-            </a:endParaRPr>
           </a:p>
         </p:txBody>
       </p:sp>
@@ -5103,7 +5080,7 @@
       </p:cxnSp>
       <p:pic>
         <p:nvPicPr>
-          <p:cNvPr id="1027" name="Picture 3" descr="D:\網頁設計\HW5\gray.png"/>
+          <p:cNvPr id="12" name="Picture 2" descr="D:\網頁設計\HW5\gray.png"/>
           <p:cNvPicPr>
             <a:picLocks noChangeAspect="1" noChangeArrowheads="1"/>
           </p:cNvPicPr>
@@ -5124,8 +5101,8 @@
         </p:blipFill>
         <p:spPr bwMode="auto">
           <a:xfrm>
-            <a:off x="251519" y="177599"/>
-            <a:ext cx="5034943" cy="6497082"/>
+            <a:off x="683568" y="275480"/>
+            <a:ext cx="4529584" cy="5849532"/>
           </a:xfrm>
           <a:prstGeom prst="rect">
             <a:avLst/>
@@ -5273,7 +5250,11 @@
           <a:p>
             <a:r>
               <a:rPr lang="zh-TW" altLang="en-US" dirty="0" smtClean="0"/>
-              <a:t>由於是新聞內容所以用黑色來襯托一些穩重和沉重感，中央則留白讓視覺停留在中間的頭條新聞</a:t>
+              <a:t>由於是新聞內容所以用黑色來襯托一些穩重和沉重感，中央則留白讓視覺停留在中間的</a:t>
+            </a:r>
+            <a:r>
+              <a:rPr lang="zh-TW" altLang="en-US" dirty="0" smtClean="0"/>
+              <a:t>頭條新聞，以及下方多樣新聞表示出多樣性。</a:t>
             </a:r>
             <a:endParaRPr lang="zh-TW" altLang="en-US" dirty="0"/>
           </a:p>
@@ -5281,7 +5262,7 @@
       </p:sp>
       <p:pic>
         <p:nvPicPr>
-          <p:cNvPr id="4" name="Picture 2" descr="D:\網頁設計\HW5\HW5.png"/>
+          <p:cNvPr id="1026" name="Picture 2" descr="D:\網頁設計\HW5\gray.png"/>
           <p:cNvPicPr>
             <a:picLocks noChangeAspect="1" noChangeArrowheads="1"/>
           </p:cNvPicPr>
@@ -5302,8 +5283,8 @@
         </p:blipFill>
         <p:spPr bwMode="auto">
           <a:xfrm>
-            <a:off x="2987824" y="2348880"/>
-            <a:ext cx="3134322" cy="4050848"/>
+            <a:off x="2883808" y="2564904"/>
+            <a:ext cx="3145306" cy="4061867"/>
           </a:xfrm>
           <a:prstGeom prst="rect">
             <a:avLst/>
@@ -5451,7 +5432,7 @@
           <a:p>
             <a:r>
               <a:rPr lang="zh-TW" altLang="en-US" dirty="0" smtClean="0"/>
-              <a:t>利用鐵橋交通的圖片暗示資訊流通快速的感覺也用廣視角的圖片給人一種開闊視野的感覺，再利用金幣襯托國際感，而奇怪的長頸鹿圖片則是暗示奇特的內容。</a:t>
+              <a:t>用大量的圖片讓瀏覽者快速分辨自己想看哪一篇新聞，而不知道想看哪一篇的可以看看最多人看的新聞，也可以用下方的快速導覽切到自己想看的區塊。</a:t>
             </a:r>
             <a:endParaRPr lang="zh-TW" altLang="en-US" dirty="0"/>
           </a:p>
